--- a/WISHLIST  PRODUCT COMPARISION.pptx
+++ b/WISHLIST  PRODUCT COMPARISION.pptx
@@ -341,7 +341,7 @@
             <a:fld id="{5586B75A-687E-405C-8A0B-8D00578BA2C3}" type="datetimeFigureOut">
               <a:rPr lang="en-US" dirty="0"/>
               <a:pPr/>
-              <a:t>11/8/2019</a:t>
+              <a:t>5/2/2021</a:t>
             </a:fld>
             <a:endParaRPr lang="en-US" dirty="0"/>
           </a:p>
@@ -508,7 +508,7 @@
             <a:fld id="{5586B75A-687E-405C-8A0B-8D00578BA2C3}" type="datetimeFigureOut">
               <a:rPr lang="en-US" dirty="0"/>
               <a:pPr/>
-              <a:t>11/8/2019</a:t>
+              <a:t>5/2/2021</a:t>
             </a:fld>
             <a:endParaRPr lang="en-US" dirty="0"/>
           </a:p>
@@ -685,7 +685,7 @@
             <a:fld id="{5586B75A-687E-405C-8A0B-8D00578BA2C3}" type="datetimeFigureOut">
               <a:rPr lang="en-US" dirty="0"/>
               <a:pPr/>
-              <a:t>11/8/2019</a:t>
+              <a:t>5/2/2021</a:t>
             </a:fld>
             <a:endParaRPr lang="en-US" dirty="0"/>
           </a:p>
@@ -852,7 +852,7 @@
             <a:fld id="{5586B75A-687E-405C-8A0B-8D00578BA2C3}" type="datetimeFigureOut">
               <a:rPr lang="en-US" dirty="0"/>
               <a:pPr/>
-              <a:t>11/8/2019</a:t>
+              <a:t>5/2/2021</a:t>
             </a:fld>
             <a:endParaRPr lang="en-US" dirty="0"/>
           </a:p>
@@ -1107,7 +1107,7 @@
             <a:fld id="{5586B75A-687E-405C-8A0B-8D00578BA2C3}" type="datetimeFigureOut">
               <a:rPr lang="en-US" dirty="0"/>
               <a:pPr/>
-              <a:t>11/8/2019</a:t>
+              <a:t>5/2/2021</a:t>
             </a:fld>
             <a:endParaRPr lang="en-US" dirty="0"/>
           </a:p>
@@ -1392,7 +1392,7 @@
             <a:fld id="{5586B75A-687E-405C-8A0B-8D00578BA2C3}" type="datetimeFigureOut">
               <a:rPr lang="en-US" dirty="0"/>
               <a:pPr/>
-              <a:t>11/8/2019</a:t>
+              <a:t>5/2/2021</a:t>
             </a:fld>
             <a:endParaRPr lang="en-US" dirty="0"/>
           </a:p>
@@ -1831,7 +1831,7 @@
             <a:fld id="{5586B75A-687E-405C-8A0B-8D00578BA2C3}" type="datetimeFigureOut">
               <a:rPr lang="en-US" dirty="0"/>
               <a:pPr/>
-              <a:t>11/8/2019</a:t>
+              <a:t>5/2/2021</a:t>
             </a:fld>
             <a:endParaRPr lang="en-US" dirty="0"/>
           </a:p>
@@ -1946,7 +1946,7 @@
             <a:fld id="{5586B75A-687E-405C-8A0B-8D00578BA2C3}" type="datetimeFigureOut">
               <a:rPr lang="en-US" dirty="0"/>
               <a:pPr/>
-              <a:t>11/8/2019</a:t>
+              <a:t>5/2/2021</a:t>
             </a:fld>
             <a:endParaRPr lang="en-US" dirty="0"/>
           </a:p>
@@ -2038,7 +2038,7 @@
             <a:fld id="{5586B75A-687E-405C-8A0B-8D00578BA2C3}" type="datetimeFigureOut">
               <a:rPr lang="en-US" dirty="0"/>
               <a:pPr/>
-              <a:t>11/8/2019</a:t>
+              <a:t>5/2/2021</a:t>
             </a:fld>
             <a:endParaRPr lang="en-US" dirty="0"/>
           </a:p>
@@ -2323,7 +2323,7 @@
             <a:fld id="{5586B75A-687E-405C-8A0B-8D00578BA2C3}" type="datetimeFigureOut">
               <a:rPr lang="en-US" dirty="0"/>
               <a:pPr/>
-              <a:t>11/8/2019</a:t>
+              <a:t>5/2/2021</a:t>
             </a:fld>
             <a:endParaRPr lang="en-US" dirty="0"/>
           </a:p>
@@ -2592,7 +2592,7 @@
             <a:fld id="{5586B75A-687E-405C-8A0B-8D00578BA2C3}" type="datetimeFigureOut">
               <a:rPr lang="en-US" dirty="0"/>
               <a:pPr/>
-              <a:t>11/8/2019</a:t>
+              <a:t>5/2/2021</a:t>
             </a:fld>
             <a:endParaRPr lang="en-US" dirty="0"/>
           </a:p>
@@ -2886,7 +2886,7 @@
             <a:fld id="{5586B75A-687E-405C-8A0B-8D00578BA2C3}" type="datetimeFigureOut">
               <a:rPr lang="en-US" dirty="0"/>
               <a:pPr/>
-              <a:t>11/8/2019</a:t>
+              <a:t>5/2/2021</a:t>
             </a:fld>
             <a:endParaRPr lang="en-US" dirty="0"/>
           </a:p>
@@ -3443,7 +3443,7 @@
         <p:spPr>
           <a:xfrm>
             <a:off x="9439834" y="4132729"/>
-            <a:ext cx="2689412" cy="1815882"/>
+            <a:ext cx="2689412" cy="523220"/>
           </a:xfrm>
           <a:prstGeom prst="rect">
             <a:avLst/>
@@ -3459,24 +3459,6 @@
             <a:r>
               <a:rPr lang="en-IN" sz="2800" b="1" dirty="0"/>
               <a:t>AVINASH</a:t>
-            </a:r>
-          </a:p>
-          <a:p>
-            <a:r>
-              <a:rPr lang="en-IN" sz="2800" b="1" dirty="0"/>
-              <a:t>YOGESH </a:t>
-            </a:r>
-          </a:p>
-          <a:p>
-            <a:r>
-              <a:rPr lang="en-IN" sz="2800" b="1" dirty="0"/>
-              <a:t>SHEK JAMAL</a:t>
-            </a:r>
-          </a:p>
-          <a:p>
-            <a:r>
-              <a:rPr lang="en-IN" sz="2800" b="1" dirty="0"/>
-              <a:t>TARUN REDDY</a:t>
             </a:r>
           </a:p>
         </p:txBody>
@@ -3699,7 +3681,7 @@
         </p:spPr>
         <p:txBody>
           <a:bodyPr anchor="t">
-            <a:normAutofit fontScale="92500" lnSpcReduction="10000"/>
+            <a:normAutofit lnSpcReduction="10000"/>
           </a:bodyPr>
           <a:lstStyle/>
           <a:p>
@@ -3851,39 +3833,6 @@
               </a:rPr>
               <a:t>                        </a:t>
             </a:r>
-          </a:p>
-          <a:p>
-            <a:pPr>
-              <a:buFont typeface="Arial" panose="020B0604020202020204" pitchFamily="34" charset="0"/>
-              <a:buChar char="•"/>
-            </a:pPr>
-            <a:r>
-              <a:rPr lang="en-US" sz="2800" b="1" dirty="0">
-                <a:solidFill>
-                  <a:srgbClr val="FFFFFF"/>
-                </a:solidFill>
-                <a:latin typeface="Times New Roman" panose="02020603050405020304" pitchFamily="18" charset="0"/>
-                <a:cs typeface="Times New Roman" panose="02020603050405020304" pitchFamily="18" charset="0"/>
-              </a:rPr>
-              <a:t>                                                 </a:t>
-            </a:r>
-            <a:r>
-              <a:rPr lang="en-US" sz="2800" b="1" dirty="0">
-                <a:solidFill>
-                  <a:schemeClr val="tx1"/>
-                </a:solidFill>
-                <a:latin typeface="Times New Roman" panose="02020603050405020304" pitchFamily="18" charset="0"/>
-                <a:cs typeface="Times New Roman" panose="02020603050405020304" pitchFamily="18" charset="0"/>
-              </a:rPr>
-              <a:t>by AVINASH</a:t>
-            </a:r>
-            <a:endParaRPr lang="en-US" sz="2800" b="1" dirty="0">
-              <a:solidFill>
-                <a:srgbClr val="FFFFFF"/>
-              </a:solidFill>
-              <a:latin typeface="Times New Roman" panose="02020603050405020304" pitchFamily="18" charset="0"/>
-              <a:cs typeface="Times New Roman" panose="02020603050405020304" pitchFamily="18" charset="0"/>
-            </a:endParaRPr>
           </a:p>
         </p:txBody>
       </p:sp>
@@ -4422,16 +4371,6 @@
                 <a:cs typeface="Times New Roman" panose="02020603050405020304" pitchFamily="18" charset="0"/>
               </a:rPr>
             </a:br>
-            <a:r>
-              <a:rPr lang="en-IN" sz="2400" b="1" dirty="0">
-                <a:solidFill>
-                  <a:schemeClr val="tx1"/>
-                </a:solidFill>
-                <a:latin typeface="Times New Roman" panose="02020603050405020304" pitchFamily="18" charset="0"/>
-                <a:cs typeface="Times New Roman" panose="02020603050405020304" pitchFamily="18" charset="0"/>
-              </a:rPr>
-              <a:t>BY YOGESH</a:t>
-            </a:r>
             <a:endParaRPr lang="en-US" sz="2400" kern="1200" spc="-100" baseline="0" dirty="0">
               <a:solidFill>
                 <a:schemeClr val="tx1"/>
@@ -4873,16 +4812,6 @@
               </a:solidFill>
             </a:endParaRPr>
           </a:p>
-          <a:p>
-            <a:r>
-              <a:rPr lang="en-US" sz="2400" b="1" dirty="0">
-                <a:solidFill>
-                  <a:schemeClr val="tx1"/>
-                </a:solidFill>
-              </a:rPr>
-              <a:t>BY AVINASH</a:t>
-            </a:r>
-          </a:p>
         </p:txBody>
       </p:sp>
     </p:spTree>
@@ -5101,7 +5030,7 @@
         </p:spPr>
         <p:txBody>
           <a:bodyPr anchor="t">
-            <a:normAutofit fontScale="92500" lnSpcReduction="20000"/>
+            <a:normAutofit/>
           </a:bodyPr>
           <a:lstStyle/>
           <a:p>
@@ -5178,21 +5107,6 @@
               <a:latin typeface="Times New Roman" panose="02020603050405020304" pitchFamily="18" charset="0"/>
               <a:cs typeface="Times New Roman" panose="02020603050405020304" pitchFamily="18" charset="0"/>
             </a:endParaRPr>
-          </a:p>
-          <a:p>
-            <a:pPr marL="0" indent="0">
-              <a:buNone/>
-            </a:pPr>
-            <a:r>
-              <a:rPr lang="en-US" sz="2400" b="1" dirty="0">
-                <a:solidFill>
-                  <a:schemeClr val="tx1"/>
-                </a:solidFill>
-                <a:latin typeface="Times New Roman" panose="02020603050405020304" pitchFamily="18" charset="0"/>
-                <a:cs typeface="Times New Roman" panose="02020603050405020304" pitchFamily="18" charset="0"/>
-              </a:rPr>
-              <a:t>BY YOGESH</a:t>
-            </a:r>
           </a:p>
         </p:txBody>
       </p:sp>
